--- a/Presentacion/TFG-BotParaLaGestioAforo.pptx
+++ b/Presentacion/TFG-BotParaLaGestioAforo.pptx
@@ -5,7 +5,7 @@
     <p:sldMasterId id="2147483648" r:id="rId1"/>
   </p:sldMasterIdLst>
   <p:notesMasterIdLst>
-    <p:notesMasterId r:id="rId12"/>
+    <p:notesMasterId r:id="rId13"/>
   </p:notesMasterIdLst>
   <p:sldIdLst>
     <p:sldId id="256" r:id="rId2"/>
@@ -15,9 +15,10 @@
     <p:sldId id="261" r:id="rId6"/>
     <p:sldId id="262" r:id="rId7"/>
     <p:sldId id="263" r:id="rId8"/>
-    <p:sldId id="265" r:id="rId9"/>
-    <p:sldId id="264" r:id="rId10"/>
-    <p:sldId id="259" r:id="rId11"/>
+    <p:sldId id="266" r:id="rId9"/>
+    <p:sldId id="265" r:id="rId10"/>
+    <p:sldId id="264" r:id="rId11"/>
+    <p:sldId id="259" r:id="rId12"/>
   </p:sldIdLst>
   <p:sldSz cx="12192000" cy="6858000"/>
   <p:notesSz cx="6858000" cy="9144000"/>
@@ -116,6 +117,11 @@
       </a:defRPr>
     </a:lvl9pPr>
   </p:defaultTextStyle>
+  <p:extLst>
+    <p:ext uri="{EFAFB233-063F-42B5-8137-9DF3F51BA10A}">
+      <p15:sldGuideLst xmlns:p15="http://schemas.microsoft.com/office/powerpoint/2012/main"/>
+    </p:ext>
+  </p:extLst>
 </p:presentation>
 </file>
 
@@ -265,7 +271,7 @@
             <a:fld id="{ECBD9110-609A-415C-ADB5-AC1BB562174D}" type="datetime1">
               <a:rPr lang="es-ES"/>
               <a:pPr lvl="0"/>
-              <a:t>10/06/2022</a:t>
+              <a:t>14/06/2022</a:t>
             </a:fld>
             <a:endParaRPr lang="es-ES"/>
           </a:p>
@@ -1306,7 +1312,7 @@
           <p:cNvPr id="2" name="Marcador de imagen de diapositiva 1">
             <a:extLst>
               <a:ext uri="{FF2B5EF4-FFF2-40B4-BE49-F238E27FC236}">
-                <a16:creationId xmlns:a16="http://schemas.microsoft.com/office/drawing/2014/main" id="{02CD5D57-E654-42F8-007D-EB97F34DCFA6}"/>
+                <a16:creationId xmlns:a16="http://schemas.microsoft.com/office/drawing/2014/main" id="{E168AD0C-1624-AC97-126D-EEB29436FCE3}"/>
               </a:ext>
             </a:extLst>
           </p:cNvPr>
@@ -1317,14 +1323,19 @@
             <p:ph type="sldImg"/>
           </p:nvPr>
         </p:nvSpPr>
-        <p:spPr/>
+        <p:spPr>
+          <a:xfrm>
+            <a:off x="685800" y="1143000"/>
+            <a:ext cx="5486400" cy="3086100"/>
+          </a:xfrm>
+        </p:spPr>
       </p:sp>
       <p:sp>
         <p:nvSpPr>
           <p:cNvPr id="3" name="Marcador de notas 2">
             <a:extLst>
               <a:ext uri="{FF2B5EF4-FFF2-40B4-BE49-F238E27FC236}">
-                <a16:creationId xmlns:a16="http://schemas.microsoft.com/office/drawing/2014/main" id="{B9455521-3626-3D75-3E30-2BFF76FADC2D}"/>
+                <a16:creationId xmlns:a16="http://schemas.microsoft.com/office/drawing/2014/main" id="{A8AD62FD-1B1C-6393-0584-730CA43DD30C}"/>
               </a:ext>
             </a:extLst>
           </p:cNvPr>
@@ -1343,7 +1354,7 @@
             <a:pPr lvl="0"/>
             <a:r>
               <a:rPr lang="es-ES"/>
-              <a:t>1- Debido a la COVID19 se generó un problema de gestión de aforo en espacio cerrados. Hasta la fecha se estaba contabilizando la gestión del aforo de forma manual. El objetivo de este trabajo fin de grado es automatizar este proceso e intentar digitalizar desde la obtención de datos hasta la consulta de estos. </a:t>
+              <a:t>Diapo 1- Debido a la COVID19 se generó un problema de gestión de aforo en espacio cerrados. Hasta la fecha se estaba contabilizando la gestión del aforo de forma manual. El objetivo de este trabajo fin de grado es automatizar este proceso e intentar digitalizar desde la obtención de datos hasta la consulta de estos. </a:t>
             </a:r>
           </a:p>
           <a:p>
@@ -1357,6 +1368,48 @@
               <a:t>El trabajo se basa en la generación de un simulador de datos, un backend para guardar los datos y un frontal programado en Telegram para la consulta de los datos. Más adelante mostraré como he construido todo el sistema y finalmente terminaré mostrándolo en una demo.</a:t>
             </a:r>
           </a:p>
+          <a:p>
+            <a:pPr lvl="0"/>
+            <a:endParaRPr lang="es-ES"/>
+          </a:p>
+          <a:p>
+            <a:pPr lvl="0"/>
+            <a:endParaRPr lang="es-ES"/>
+          </a:p>
+          <a:p>
+            <a:pPr lvl="0"/>
+            <a:r>
+              <a:rPr lang="es-ES"/>
+              <a:t>Diapo 7 – El Bot tiene unas operaciones predefinidas para la consulta de los datos. Estos datos son consultados a través del backend en el cual se ha desplegado en una máquina local utilizando una VPN inversa con NROK. </a:t>
+            </a:r>
+          </a:p>
+          <a:p>
+            <a:pPr lvl="0"/>
+            <a:r>
+              <a:rPr lang="es-ES"/>
+              <a:t>El bot cuenta como una pequeña IA para detectar los mensajes enviados por los usuarios y poder tratarlos</a:t>
+            </a:r>
+          </a:p>
+          <a:p>
+            <a:pPr lvl="0"/>
+            <a:endParaRPr lang="es-ES"/>
+          </a:p>
+          <a:p>
+            <a:pPr lvl="0"/>
+            <a:endParaRPr lang="es-ES"/>
+          </a:p>
+          <a:p>
+            <a:pPr lvl="0"/>
+            <a:endParaRPr lang="es-ES"/>
+          </a:p>
+          <a:p>
+            <a:pPr lvl="0"/>
+            <a:endParaRPr lang="es-ES"/>
+          </a:p>
+          <a:p>
+            <a:pPr lvl="0"/>
+            <a:endParaRPr lang="es-ES"/>
+          </a:p>
         </p:txBody>
       </p:sp>
       <p:sp>
@@ -1364,7 +1417,7 @@
           <p:cNvPr id="4" name="Marcador de número de diapositiva 3">
             <a:extLst>
               <a:ext uri="{FF2B5EF4-FFF2-40B4-BE49-F238E27FC236}">
-                <a16:creationId xmlns:a16="http://schemas.microsoft.com/office/drawing/2014/main" id="{5F46CF89-40DB-46CB-B256-1523DF115F38}"/>
+                <a16:creationId xmlns:a16="http://schemas.microsoft.com/office/drawing/2014/main" id="{21A4864F-9525-A593-84C3-BF044805653D}"/>
               </a:ext>
             </a:extLst>
           </p:cNvPr>
@@ -1409,7 +1462,7 @@
                 <a:uFillTx/>
               </a:defRPr>
             </a:pPr>
-            <a:fld id="{DC60C466-0AFE-49BD-AD0B-833D64CE3786}" type="slidenum">
+            <a:fld id="{3BB9C0EA-260C-4F1E-8B3D-3A182F050EB7}" type="slidenum">
               <a:t>8</a:t>
             </a:fld>
             <a:endParaRPr lang="es-ES" sz="1200" b="0" i="0" u="none" strike="noStrike" kern="1200" cap="none" spc="0" baseline="0">
@@ -1423,6 +1476,11 @@
         </p:txBody>
       </p:sp>
     </p:spTree>
+    <p:extLst>
+      <p:ext uri="{BB962C8B-B14F-4D97-AF65-F5344CB8AC3E}">
+        <p14:creationId xmlns:p14="http://schemas.microsoft.com/office/powerpoint/2010/main" val="3030903363"/>
+      </p:ext>
+    </p:extLst>
   </p:cSld>
   <p:clrMapOvr>
     <a:masterClrMapping/>
@@ -1452,7 +1510,7 @@
           <p:cNvPr id="2" name="Marcador de imagen de diapositiva 1">
             <a:extLst>
               <a:ext uri="{FF2B5EF4-FFF2-40B4-BE49-F238E27FC236}">
-                <a16:creationId xmlns:a16="http://schemas.microsoft.com/office/drawing/2014/main" id="{716E5945-1221-40D8-332A-DF7F73A861F6}"/>
+                <a16:creationId xmlns:a16="http://schemas.microsoft.com/office/drawing/2014/main" id="{02CD5D57-E654-42F8-007D-EB97F34DCFA6}"/>
               </a:ext>
             </a:extLst>
           </p:cNvPr>
@@ -1463,14 +1521,19 @@
             <p:ph type="sldImg"/>
           </p:nvPr>
         </p:nvSpPr>
-        <p:spPr/>
+        <p:spPr>
+          <a:xfrm>
+            <a:off x="685800" y="1143000"/>
+            <a:ext cx="5486400" cy="3086100"/>
+          </a:xfrm>
+        </p:spPr>
       </p:sp>
       <p:sp>
         <p:nvSpPr>
           <p:cNvPr id="3" name="Marcador de notas 2">
             <a:extLst>
               <a:ext uri="{FF2B5EF4-FFF2-40B4-BE49-F238E27FC236}">
-                <a16:creationId xmlns:a16="http://schemas.microsoft.com/office/drawing/2014/main" id="{CBCC415F-7A25-6E47-FE11-2FE7EA184056}"/>
+                <a16:creationId xmlns:a16="http://schemas.microsoft.com/office/drawing/2014/main" id="{B9455521-3626-3D75-3E30-2BFF76FADC2D}"/>
               </a:ext>
             </a:extLst>
           </p:cNvPr>
@@ -1510,7 +1573,7 @@
           <p:cNvPr id="4" name="Marcador de número de diapositiva 3">
             <a:extLst>
               <a:ext uri="{FF2B5EF4-FFF2-40B4-BE49-F238E27FC236}">
-                <a16:creationId xmlns:a16="http://schemas.microsoft.com/office/drawing/2014/main" id="{CA205A6C-8E6B-E4B8-92F0-43C601D69522}"/>
+                <a16:creationId xmlns:a16="http://schemas.microsoft.com/office/drawing/2014/main" id="{5F46CF89-40DB-46CB-B256-1523DF115F38}"/>
               </a:ext>
             </a:extLst>
           </p:cNvPr>
@@ -1555,7 +1618,7 @@
                 <a:uFillTx/>
               </a:defRPr>
             </a:pPr>
-            <a:fld id="{E4F4D122-3789-4437-B9D5-3B70776EEBA7}" type="slidenum">
+            <a:fld id="{DC60C466-0AFE-49BD-AD0B-833D64CE3786}" type="slidenum">
               <a:t>9</a:t>
             </a:fld>
             <a:endParaRPr lang="es-ES" sz="1200" b="0" i="0" u="none" strike="noStrike" kern="1200" cap="none" spc="0" baseline="0">
@@ -1598,7 +1661,7 @@
           <p:cNvPr id="2" name="Marcador de imagen de diapositiva 1">
             <a:extLst>
               <a:ext uri="{FF2B5EF4-FFF2-40B4-BE49-F238E27FC236}">
-                <a16:creationId xmlns:a16="http://schemas.microsoft.com/office/drawing/2014/main" id="{6E119116-D6ED-A8CE-19BA-7649534316E7}"/>
+                <a16:creationId xmlns:a16="http://schemas.microsoft.com/office/drawing/2014/main" id="{716E5945-1221-40D8-332A-DF7F73A861F6}"/>
               </a:ext>
             </a:extLst>
           </p:cNvPr>
@@ -1609,7 +1672,163 @@
             <p:ph type="sldImg"/>
           </p:nvPr>
         </p:nvSpPr>
+        <p:spPr>
+          <a:xfrm>
+            <a:off x="685800" y="1143000"/>
+            <a:ext cx="5486400" cy="3086100"/>
+          </a:xfrm>
+        </p:spPr>
+      </p:sp>
+      <p:sp>
+        <p:nvSpPr>
+          <p:cNvPr id="3" name="Marcador de notas 2">
+            <a:extLst>
+              <a:ext uri="{FF2B5EF4-FFF2-40B4-BE49-F238E27FC236}">
+                <a16:creationId xmlns:a16="http://schemas.microsoft.com/office/drawing/2014/main" id="{CBCC415F-7A25-6E47-FE11-2FE7EA184056}"/>
+              </a:ext>
+            </a:extLst>
+          </p:cNvPr>
+          <p:cNvSpPr txBox="1">
+            <a:spLocks noGrp="1"/>
+          </p:cNvSpPr>
+          <p:nvPr>
+            <p:ph type="body" sz="quarter" idx="1"/>
+          </p:nvPr>
+        </p:nvSpPr>
         <p:spPr/>
+        <p:txBody>
+          <a:bodyPr/>
+          <a:lstStyle/>
+          <a:p>
+            <a:pPr lvl="0"/>
+            <a:r>
+              <a:rPr lang="es-ES"/>
+              <a:t>1- Debido a la COVID19 se generó un problema de gestión de aforo en espacio cerrados. Hasta la fecha se estaba contabilizando la gestión del aforo de forma manual. El objetivo de este trabajo fin de grado es automatizar este proceso e intentar digitalizar desde la obtención de datos hasta la consulta de estos. </a:t>
+            </a:r>
+          </a:p>
+          <a:p>
+            <a:pPr lvl="0"/>
+            <a:endParaRPr lang="es-ES"/>
+          </a:p>
+          <a:p>
+            <a:pPr lvl="0"/>
+            <a:r>
+              <a:rPr lang="es-ES"/>
+              <a:t>El trabajo se basa en la generación de un simulador de datos, un backend para guardar los datos y un frontal programado en Telegram para la consulta de los datos. Más adelante mostraré como he construido todo el sistema y finalmente terminaré mostrándolo en una demo.</a:t>
+            </a:r>
+          </a:p>
+        </p:txBody>
+      </p:sp>
+      <p:sp>
+        <p:nvSpPr>
+          <p:cNvPr id="4" name="Marcador de número de diapositiva 3">
+            <a:extLst>
+              <a:ext uri="{FF2B5EF4-FFF2-40B4-BE49-F238E27FC236}">
+                <a16:creationId xmlns:a16="http://schemas.microsoft.com/office/drawing/2014/main" id="{CA205A6C-8E6B-E4B8-92F0-43C601D69522}"/>
+              </a:ext>
+            </a:extLst>
+          </p:cNvPr>
+          <p:cNvSpPr txBox="1"/>
+          <p:nvPr/>
+        </p:nvSpPr>
+        <p:spPr>
+          <a:xfrm>
+            <a:off x="3884608" y="8685208"/>
+            <a:ext cx="2971800" cy="458791"/>
+          </a:xfrm>
+          <a:prstGeom prst="rect">
+            <a:avLst/>
+          </a:prstGeom>
+          <a:noFill/>
+          <a:ln cap="flat">
+            <a:noFill/>
+          </a:ln>
+        </p:spPr>
+        <p:txBody>
+          <a:bodyPr vert="horz" wrap="square" lIns="91440" tIns="45720" rIns="91440" bIns="45720" anchor="b" anchorCtr="0" compatLnSpc="1">
+            <a:noAutofit/>
+          </a:bodyPr>
+          <a:lstStyle/>
+          <a:p>
+            <a:pPr marL="0" marR="0" lvl="0" indent="0" algn="r" defTabSz="914400" rtl="0" fontAlgn="auto" hangingPunct="1">
+              <a:lnSpc>
+                <a:spcPct val="100000"/>
+              </a:lnSpc>
+              <a:spcBef>
+                <a:spcPts val="0"/>
+              </a:spcBef>
+              <a:spcAft>
+                <a:spcPts val="0"/>
+              </a:spcAft>
+              <a:buNone/>
+              <a:tabLst/>
+              <a:defRPr sz="1800" b="0" i="0" u="none" strike="noStrike" kern="0" cap="none" spc="0" baseline="0">
+                <a:solidFill>
+                  <a:srgbClr val="000000"/>
+                </a:solidFill>
+                <a:uFillTx/>
+              </a:defRPr>
+            </a:pPr>
+            <a:fld id="{E4F4D122-3789-4437-B9D5-3B70776EEBA7}" type="slidenum">
+              <a:t>10</a:t>
+            </a:fld>
+            <a:endParaRPr lang="es-ES" sz="1200" b="0" i="0" u="none" strike="noStrike" kern="1200" cap="none" spc="0" baseline="0">
+              <a:solidFill>
+                <a:srgbClr val="000000"/>
+              </a:solidFill>
+              <a:uFillTx/>
+              <a:latin typeface="Calibri"/>
+            </a:endParaRPr>
+          </a:p>
+        </p:txBody>
+      </p:sp>
+    </p:spTree>
+  </p:cSld>
+  <p:clrMapOvr>
+    <a:masterClrMapping/>
+  </p:clrMapOvr>
+</p:notes>
+</file>
+
+<file path=ppt/notesSlides/notesSlide8.xml><?xml version="1.0" encoding="utf-8"?>
+<p:notes xmlns:a="http://schemas.openxmlformats.org/drawingml/2006/main" xmlns:r="http://schemas.openxmlformats.org/officeDocument/2006/relationships" xmlns:p="http://schemas.openxmlformats.org/presentationml/2006/main">
+  <p:cSld>
+    <p:spTree>
+      <p:nvGrpSpPr>
+        <p:cNvPr id="1" name=""/>
+        <p:cNvGrpSpPr/>
+        <p:nvPr/>
+      </p:nvGrpSpPr>
+      <p:grpSpPr>
+        <a:xfrm>
+          <a:off x="0" y="0"/>
+          <a:ext cx="0" cy="0"/>
+          <a:chOff x="0" y="0"/>
+          <a:chExt cx="0" cy="0"/>
+        </a:xfrm>
+      </p:grpSpPr>
+      <p:sp>
+        <p:nvSpPr>
+          <p:cNvPr id="2" name="Marcador de imagen de diapositiva 1">
+            <a:extLst>
+              <a:ext uri="{FF2B5EF4-FFF2-40B4-BE49-F238E27FC236}">
+                <a16:creationId xmlns:a16="http://schemas.microsoft.com/office/drawing/2014/main" id="{6E119116-D6ED-A8CE-19BA-7649534316E7}"/>
+              </a:ext>
+            </a:extLst>
+          </p:cNvPr>
+          <p:cNvSpPr>
+            <a:spLocks noGrp="1" noRot="1" noChangeAspect="1"/>
+          </p:cNvSpPr>
+          <p:nvPr>
+            <p:ph type="sldImg"/>
+          </p:nvPr>
+        </p:nvSpPr>
+        <p:spPr>
+          <a:xfrm>
+            <a:off x="685800" y="1143000"/>
+            <a:ext cx="5486400" cy="3086100"/>
+          </a:xfrm>
+        </p:spPr>
       </p:sp>
       <p:sp>
         <p:nvSpPr>
@@ -1702,7 +1921,7 @@
               </a:defRPr>
             </a:pPr>
             <a:fld id="{36382D97-F11E-4C4B-856B-F89A95A2ADEF}" type="slidenum">
-              <a:t>10</a:t>
+              <a:t>11</a:t>
             </a:fld>
             <a:endParaRPr lang="es-ES" sz="1200" b="0" i="0" u="none" strike="noStrike" kern="1200" cap="none" spc="0" baseline="0">
               <a:solidFill>
@@ -1845,7 +2064,7 @@
             <a:fld id="{CA1C5792-2558-4257-8CCD-89E1C5CB4CE0}" type="datetime1">
               <a:rPr lang="en-US"/>
               <a:pPr lvl="0"/>
-              <a:t>6/10/2022</a:t>
+              <a:t>6/14/2022</a:t>
             </a:fld>
             <a:endParaRPr lang="en-US"/>
           </a:p>
@@ -2084,7 +2303,7 @@
             <a:fld id="{2A5364A6-5414-4201-B19C-68BC89D21611}" type="datetime1">
               <a:rPr lang="en-US"/>
               <a:pPr lvl="0"/>
-              <a:t>6/10/2022</a:t>
+              <a:t>6/14/2022</a:t>
             </a:fld>
             <a:endParaRPr lang="en-US"/>
           </a:p>
@@ -2332,7 +2551,7 @@
             <a:fld id="{074D5B43-F81F-42FD-907D-905D87EFE8D9}" type="datetime1">
               <a:rPr lang="en-US"/>
               <a:pPr lvl="0"/>
-              <a:t>6/10/2022</a:t>
+              <a:t>6/14/2022</a:t>
             </a:fld>
             <a:endParaRPr lang="en-US"/>
           </a:p>
@@ -2570,7 +2789,7 @@
             <a:fld id="{FF6E9ED7-5C49-409B-97EB-7CCE1CFCB106}" type="datetime1">
               <a:rPr lang="en-US"/>
               <a:pPr lvl="0"/>
-              <a:t>6/10/2022</a:t>
+              <a:t>6/14/2022</a:t>
             </a:fld>
             <a:endParaRPr lang="en-US"/>
           </a:p>
@@ -2784,7 +3003,7 @@
             <a:fld id="{0656363F-A82B-41B1-84CF-51754E4EC9CB}" type="datetime1">
               <a:rPr lang="en-US"/>
               <a:pPr lvl="0"/>
-              <a:t>6/10/2022</a:t>
+              <a:t>6/14/2022</a:t>
             </a:fld>
             <a:endParaRPr lang="en-US"/>
           </a:p>
@@ -3110,7 +3329,7 @@
             <a:fld id="{77AC1BE8-DF11-4294-88E5-4EE2E2A3AF8B}" type="datetime1">
               <a:rPr lang="en-US"/>
               <a:pPr lvl="0"/>
-              <a:t>6/10/2022</a:t>
+              <a:t>6/14/2022</a:t>
             </a:fld>
             <a:endParaRPr lang="en-US"/>
           </a:p>
@@ -3518,7 +3737,7 @@
             <a:fld id="{EFA0B3C8-7E11-4EC0-88CC-E7D850AAA6B9}" type="datetime1">
               <a:rPr lang="en-US"/>
               <a:pPr lvl="0"/>
-              <a:t>6/10/2022</a:t>
+              <a:t>6/14/2022</a:t>
             </a:fld>
             <a:endParaRPr lang="en-US"/>
           </a:p>
@@ -3683,7 +3902,7 @@
             <a:fld id="{62271693-A611-4F28-9EEC-0629B9B66C96}" type="datetime1">
               <a:rPr lang="en-US"/>
               <a:pPr lvl="0"/>
-              <a:t>6/10/2022</a:t>
+              <a:t>6/14/2022</a:t>
             </a:fld>
             <a:endParaRPr lang="en-US"/>
           </a:p>
@@ -3815,7 +4034,7 @@
             <a:fld id="{A0FF4150-3ED1-4CEF-AA37-7F619E9749A1}" type="datetime1">
               <a:rPr lang="en-US"/>
               <a:pPr lvl="0"/>
-              <a:t>6/10/2022</a:t>
+              <a:t>6/14/2022</a:t>
             </a:fld>
             <a:endParaRPr lang="en-US"/>
           </a:p>
@@ -4102,7 +4321,7 @@
             <a:fld id="{3476A79F-93FF-4562-9B9E-C9CA622A850F}" type="datetime1">
               <a:rPr lang="en-US"/>
               <a:pPr lvl="0"/>
-              <a:t>6/10/2022</a:t>
+              <a:t>6/14/2022</a:t>
             </a:fld>
             <a:endParaRPr lang="en-US"/>
           </a:p>
@@ -4347,7 +4566,7 @@
             <a:fld id="{1C84B350-3A7D-4C16-8C84-A05A0554F810}" type="datetime1">
               <a:rPr lang="en-US"/>
               <a:pPr lvl="0"/>
-              <a:t>6/10/2022</a:t>
+              <a:t>6/14/2022</a:t>
             </a:fld>
             <a:endParaRPr lang="en-US"/>
           </a:p>
@@ -4632,7 +4851,7 @@
             <a:fld id="{2BCB82B2-16DE-4ED6-8D1B-4CAA9AB98B96}" type="datetime1">
               <a:rPr lang="en-US"/>
               <a:pPr lvl="0"/>
-              <a:t>6/10/2022</a:t>
+              <a:t>6/14/2022</a:t>
             </a:fld>
             <a:endParaRPr lang="en-US"/>
           </a:p>
@@ -5813,6 +6032,237 @@
 
 <file path=ppt/slides/slide10.xml><?xml version="1.0" encoding="utf-8"?>
 <p:sld xmlns:a="http://schemas.openxmlformats.org/drawingml/2006/main" xmlns:r="http://schemas.openxmlformats.org/officeDocument/2006/relationships" xmlns:p="http://schemas.openxmlformats.org/presentationml/2006/main">
+  <p:cSld name="Slide9">
+    <p:spTree>
+      <p:nvGrpSpPr>
+        <p:cNvPr id="1" name=""/>
+        <p:cNvGrpSpPr/>
+        <p:nvPr/>
+      </p:nvGrpSpPr>
+      <p:grpSpPr>
+        <a:xfrm>
+          <a:off x="0" y="0"/>
+          <a:ext cx="0" cy="0"/>
+          <a:chOff x="0" y="0"/>
+          <a:chExt cx="0" cy="0"/>
+        </a:xfrm>
+      </p:grpSpPr>
+      <p:pic>
+        <p:nvPicPr>
+          <p:cNvPr id="2" name="Imagen 3">
+            <a:extLst>
+              <a:ext uri="{FF2B5EF4-FFF2-40B4-BE49-F238E27FC236}">
+                <a16:creationId xmlns:a16="http://schemas.microsoft.com/office/drawing/2014/main" id="{BC31DB3B-7FBD-BDA1-CB86-12C0512A2A3E}"/>
+              </a:ext>
+            </a:extLst>
+          </p:cNvPr>
+          <p:cNvPicPr>
+            <a:picLocks noChangeAspect="1"/>
+          </p:cNvPicPr>
+          <p:nvPr/>
+        </p:nvPicPr>
+        <p:blipFill>
+          <a:blip r:embed="rId3"/>
+          <a:srcRect/>
+          <a:stretch>
+            <a:fillRect/>
+          </a:stretch>
+        </p:blipFill>
+        <p:spPr>
+          <a:xfrm>
+            <a:off x="10139562" y="5470644"/>
+            <a:ext cx="1018541" cy="1079504"/>
+          </a:xfrm>
+          <a:prstGeom prst="rect">
+            <a:avLst/>
+          </a:prstGeom>
+          <a:noFill/>
+          <a:ln cap="flat">
+            <a:noFill/>
+          </a:ln>
+        </p:spPr>
+      </p:pic>
+      <p:sp>
+        <p:nvSpPr>
+          <p:cNvPr id="3" name="Marcador de número de diapositiva 4">
+            <a:extLst>
+              <a:ext uri="{FF2B5EF4-FFF2-40B4-BE49-F238E27FC236}">
+                <a16:creationId xmlns:a16="http://schemas.microsoft.com/office/drawing/2014/main" id="{E44ED557-2E54-BD1E-8E82-1B95A9805303}"/>
+              </a:ext>
+            </a:extLst>
+          </p:cNvPr>
+          <p:cNvSpPr txBox="1"/>
+          <p:nvPr/>
+        </p:nvSpPr>
+        <p:spPr>
+          <a:xfrm>
+            <a:off x="10919014" y="6356351"/>
+            <a:ext cx="672358" cy="365129"/>
+          </a:xfrm>
+          <a:prstGeom prst="rect">
+            <a:avLst/>
+          </a:prstGeom>
+          <a:noFill/>
+          <a:ln cap="flat">
+            <a:noFill/>
+          </a:ln>
+        </p:spPr>
+        <p:txBody>
+          <a:bodyPr vert="horz" wrap="square" lIns="91440" tIns="45720" rIns="91440" bIns="45720" anchor="ctr" anchorCtr="0" compatLnSpc="1">
+            <a:noAutofit/>
+          </a:bodyPr>
+          <a:lstStyle/>
+          <a:p>
+            <a:pPr marL="0" marR="0" lvl="0" indent="0" algn="r" defTabSz="914400" rtl="0" fontAlgn="auto" hangingPunct="1">
+              <a:lnSpc>
+                <a:spcPct val="100000"/>
+              </a:lnSpc>
+              <a:spcBef>
+                <a:spcPts val="0"/>
+              </a:spcBef>
+              <a:spcAft>
+                <a:spcPts val="0"/>
+              </a:spcAft>
+              <a:buNone/>
+              <a:tabLst/>
+              <a:defRPr sz="1800" b="0" i="0" u="none" strike="noStrike" kern="0" cap="none" spc="0" baseline="0">
+                <a:solidFill>
+                  <a:srgbClr val="000000"/>
+                </a:solidFill>
+                <a:uFillTx/>
+              </a:defRPr>
+            </a:pPr>
+            <a:fld id="{8CEABA8C-C8FC-44DC-BE5B-1DAD58560ED7}" type="slidenum">
+              <a:rPr/>
+              <a:t>10</a:t>
+            </a:fld>
+            <a:endParaRPr lang="en-US" sz="1600" b="0" i="0" u="none" strike="noStrike" kern="1200" cap="none" spc="0" baseline="0">
+              <a:solidFill>
+                <a:srgbClr val="000000"/>
+              </a:solidFill>
+              <a:uFillTx/>
+              <a:latin typeface="Arial" pitchFamily="34"/>
+              <a:cs typeface="Arial" pitchFamily="34"/>
+            </a:endParaRPr>
+          </a:p>
+        </p:txBody>
+      </p:sp>
+      <p:sp>
+        <p:nvSpPr>
+          <p:cNvPr id="4" name="Marcador de pie de página 5">
+            <a:extLst>
+              <a:ext uri="{FF2B5EF4-FFF2-40B4-BE49-F238E27FC236}">
+                <a16:creationId xmlns:a16="http://schemas.microsoft.com/office/drawing/2014/main" id="{B04CCAF1-C3A4-3E1F-CD42-7F36CCC4F907}"/>
+              </a:ext>
+            </a:extLst>
+          </p:cNvPr>
+          <p:cNvSpPr txBox="1"/>
+          <p:nvPr/>
+        </p:nvSpPr>
+        <p:spPr>
+          <a:xfrm>
+            <a:off x="715380" y="6356351"/>
+            <a:ext cx="4539730" cy="365129"/>
+          </a:xfrm>
+          <a:prstGeom prst="rect">
+            <a:avLst/>
+          </a:prstGeom>
+          <a:noFill/>
+          <a:ln cap="flat">
+            <a:noFill/>
+          </a:ln>
+        </p:spPr>
+        <p:txBody>
+          <a:bodyPr vert="horz" wrap="square" lIns="91440" tIns="45720" rIns="91440" bIns="45720" anchor="ctr" anchorCtr="0" compatLnSpc="1">
+            <a:noAutofit/>
+          </a:bodyPr>
+          <a:lstStyle/>
+          <a:p>
+            <a:pPr marL="0" marR="0" lvl="0" indent="0" algn="l" defTabSz="914400" rtl="0" fontAlgn="auto" hangingPunct="1">
+              <a:lnSpc>
+                <a:spcPct val="100000"/>
+              </a:lnSpc>
+              <a:spcBef>
+                <a:spcPts val="0"/>
+              </a:spcBef>
+              <a:spcAft>
+                <a:spcPts val="0"/>
+              </a:spcAft>
+              <a:buNone/>
+              <a:tabLst/>
+              <a:defRPr sz="1800" b="0" i="0" u="none" strike="noStrike" kern="0" cap="none" spc="0" baseline="0">
+                <a:solidFill>
+                  <a:srgbClr val="000000"/>
+                </a:solidFill>
+                <a:uFillTx/>
+              </a:defRPr>
+            </a:pPr>
+            <a:r>
+              <a:rPr lang="es-ES" sz="1050" b="0" i="0" u="none" strike="noStrike" kern="1200" cap="none" spc="0" baseline="0">
+                <a:solidFill>
+                  <a:srgbClr val="000000"/>
+                </a:solidFill>
+                <a:uFillTx/>
+                <a:latin typeface="Univers Condensed"/>
+              </a:rPr>
+              <a:t>TELEGRAM BOT - Gestión de aforo</a:t>
+            </a:r>
+            <a:endParaRPr lang="en-US" sz="1050" b="0" i="0" u="none" strike="noStrike" kern="1200" cap="none" spc="0" baseline="0">
+              <a:solidFill>
+                <a:srgbClr val="000000"/>
+              </a:solidFill>
+              <a:uFillTx/>
+              <a:latin typeface="Univers Condensed"/>
+            </a:endParaRPr>
+          </a:p>
+        </p:txBody>
+      </p:sp>
+      <p:pic>
+        <p:nvPicPr>
+          <p:cNvPr id="5" name="Imagen 9">
+            <a:extLst>
+              <a:ext uri="{FF2B5EF4-FFF2-40B4-BE49-F238E27FC236}">
+                <a16:creationId xmlns:a16="http://schemas.microsoft.com/office/drawing/2014/main" id="{0C70BCB0-9D9C-26E6-7F62-918626791A28}"/>
+              </a:ext>
+            </a:extLst>
+          </p:cNvPr>
+          <p:cNvPicPr>
+            <a:picLocks noChangeAspect="1"/>
+          </p:cNvPicPr>
+          <p:nvPr/>
+        </p:nvPicPr>
+        <p:blipFill>
+          <a:blip r:embed="rId4"/>
+          <a:stretch>
+            <a:fillRect/>
+          </a:stretch>
+        </p:blipFill>
+        <p:spPr>
+          <a:xfrm>
+            <a:off x="4127089" y="1812020"/>
+            <a:ext cx="3937817" cy="3233949"/>
+          </a:xfrm>
+          <a:prstGeom prst="rect">
+            <a:avLst/>
+          </a:prstGeom>
+          <a:solidFill>
+            <a:srgbClr val="EDEDED"/>
+          </a:solidFill>
+          <a:ln cap="flat">
+            <a:noFill/>
+          </a:ln>
+        </p:spPr>
+      </p:pic>
+    </p:spTree>
+  </p:cSld>
+  <p:clrMapOvr>
+    <a:masterClrMapping/>
+  </p:clrMapOvr>
+</p:sld>
+</file>
+
+<file path=ppt/slides/slide11.xml><?xml version="1.0" encoding="utf-8"?>
+<p:sld xmlns:a="http://schemas.openxmlformats.org/drawingml/2006/main" xmlns:r="http://schemas.openxmlformats.org/officeDocument/2006/relationships" xmlns:p="http://schemas.openxmlformats.org/presentationml/2006/main">
   <p:cSld name="Slide4">
     <p:spTree>
       <p:nvGrpSpPr>
@@ -5990,7 +6440,7 @@
                 <a:uFillTx/>
                 <a:latin typeface="Calisto MT"/>
               </a:rPr>
-              <a:t>10</a:t>
+              <a:t>11</a:t>
             </a:fld>
             <a:endParaRPr lang="en-US" sz="1800" b="0" i="0" u="none" strike="noStrike" kern="1200" cap="none" spc="0" baseline="0">
               <a:solidFill>
@@ -6152,7 +6602,7 @@
               <a:buAutoNum type="arabicPeriod"/>
             </a:pPr>
             <a:r>
-              <a:rPr lang="es-ES" sz="2800">
+              <a:rPr lang="es-ES" sz="2800" dirty="0">
                 <a:latin typeface="Arial" pitchFamily="34"/>
                 <a:cs typeface="Arial" pitchFamily="34"/>
               </a:rPr>
@@ -6165,7 +6615,7 @@
               <a:buAutoNum type="arabicPeriod"/>
             </a:pPr>
             <a:r>
-              <a:rPr lang="es-ES" sz="2800">
+              <a:rPr lang="es-ES" sz="2800" dirty="0">
                 <a:latin typeface="Arial" pitchFamily="34"/>
                 <a:cs typeface="Arial" pitchFamily="34"/>
               </a:rPr>
@@ -6178,12 +6628,23 @@
               <a:buAutoNum type="arabicPeriod"/>
             </a:pPr>
             <a:r>
-              <a:rPr lang="es-ES" sz="2800">
+              <a:rPr lang="es-ES" sz="2800" dirty="0">
                 <a:latin typeface="Arial" pitchFamily="34"/>
                 <a:cs typeface="Arial" pitchFamily="34"/>
               </a:rPr>
-              <a:t>Servidor / Backend</a:t>
-            </a:r>
+              <a:t>Servidor / </a:t>
+            </a:r>
+            <a:r>
+              <a:rPr lang="es-ES" sz="2800" dirty="0" err="1">
+                <a:latin typeface="Arial" pitchFamily="34"/>
+                <a:cs typeface="Arial" pitchFamily="34"/>
+              </a:rPr>
+              <a:t>Backend</a:t>
+            </a:r>
+            <a:endParaRPr lang="es-ES" sz="2800" dirty="0">
+              <a:latin typeface="Arial" pitchFamily="34"/>
+              <a:cs typeface="Arial" pitchFamily="34"/>
+            </a:endParaRPr>
           </a:p>
           <a:p>
             <a:pPr marL="1428750" lvl="2" indent="-514350">
@@ -6191,7 +6652,7 @@
               <a:buAutoNum type="arabicPeriod"/>
             </a:pPr>
             <a:r>
-              <a:rPr lang="es-ES" sz="2800">
+              <a:rPr lang="es-ES" sz="2800" dirty="0">
                 <a:latin typeface="Arial" pitchFamily="34"/>
                 <a:cs typeface="Arial" pitchFamily="34"/>
               </a:rPr>
@@ -6204,7 +6665,20 @@
               <a:buAutoNum type="arabicPeriod"/>
             </a:pPr>
             <a:r>
-              <a:rPr lang="es-ES" sz="2800">
+              <a:rPr lang="es-ES" sz="2800" dirty="0">
+                <a:latin typeface="Arial" pitchFamily="34"/>
+                <a:cs typeface="Arial" pitchFamily="34"/>
+              </a:rPr>
+              <a:t>Conclusiones</a:t>
+            </a:r>
+          </a:p>
+          <a:p>
+            <a:pPr marL="1428750" lvl="2" indent="-514350">
+              <a:buFont typeface="Univers Condensed"/>
+              <a:buAutoNum type="arabicPeriod"/>
+            </a:pPr>
+            <a:r>
+              <a:rPr lang="es-ES" sz="2800" dirty="0">
                 <a:latin typeface="Arial" pitchFamily="34"/>
                 <a:cs typeface="Arial" pitchFamily="34"/>
               </a:rPr>
@@ -6216,7 +6690,7 @@
               <a:buFont typeface="Univers Condensed"/>
               <a:buAutoNum type="arabicPeriod"/>
             </a:pPr>
-            <a:endParaRPr lang="es-ES" sz="2800">
+            <a:endParaRPr lang="es-ES" sz="2800" dirty="0">
               <a:latin typeface="Arial" pitchFamily="34"/>
               <a:cs typeface="Arial" pitchFamily="34"/>
             </a:endParaRPr>
@@ -6309,6 +6783,7 @@
               </a:defRPr>
             </a:pPr>
             <a:fld id="{12110A47-981E-4F2E-A3F7-7924BCF28FBF}" type="slidenum">
+              <a:rPr/>
               <a:t>2</a:t>
             </a:fld>
             <a:endParaRPr lang="en-US" sz="1400" b="0" i="0" u="none" strike="noStrike" kern="1200" cap="none" spc="0" baseline="0">
@@ -7094,7 +7569,7 @@
             <a:pPr marL="0" lvl="0" indent="0">
               <a:buNone/>
             </a:pPr>
-            <a:endParaRPr lang="es-ES" sz="2500">
+            <a:endParaRPr lang="es-ES" sz="2500" dirty="0">
               <a:latin typeface="Arial" pitchFamily="34"/>
               <a:cs typeface="Arial" pitchFamily="34"/>
             </a:endParaRPr>
@@ -7104,7 +7579,7 @@
               <a:buChar char="-"/>
             </a:pPr>
             <a:r>
-              <a:rPr lang="es-ES" sz="2500">
+              <a:rPr lang="es-ES" sz="2500" dirty="0">
                 <a:latin typeface="Arial" pitchFamily="34"/>
                 <a:cs typeface="Arial" pitchFamily="34"/>
               </a:rPr>
@@ -7116,7 +7591,7 @@
               <a:buChar char="-"/>
             </a:pPr>
             <a:r>
-              <a:rPr lang="es-ES" sz="2500">
+              <a:rPr lang="es-ES" sz="2500" dirty="0">
                 <a:latin typeface="Arial" pitchFamily="34"/>
                 <a:cs typeface="Arial" pitchFamily="34"/>
               </a:rPr>
@@ -7128,7 +7603,7 @@
               <a:buChar char="-"/>
             </a:pPr>
             <a:r>
-              <a:rPr lang="es-ES" sz="2500">
+              <a:rPr lang="es-ES" sz="2500" dirty="0">
                 <a:latin typeface="Arial" pitchFamily="34"/>
                 <a:cs typeface="Arial" pitchFamily="34"/>
               </a:rPr>
@@ -7139,7 +7614,7 @@
             <a:pPr lvl="0">
               <a:buChar char="-"/>
             </a:pPr>
-            <a:endParaRPr lang="es-ES" sz="2500">
+            <a:endParaRPr lang="es-ES" sz="2500" dirty="0">
               <a:latin typeface="Arial" pitchFamily="34"/>
               <a:cs typeface="Arial" pitchFamily="34"/>
             </a:endParaRPr>
@@ -7149,7 +7624,7 @@
               <a:buNone/>
             </a:pPr>
             <a:r>
-              <a:rPr lang="es-ES" sz="2500" b="1" i="1">
+              <a:rPr lang="es-ES" sz="2500" b="1" i="1" dirty="0">
                 <a:latin typeface="Arial" pitchFamily="34"/>
                 <a:cs typeface="Arial" pitchFamily="34"/>
               </a:rPr>
@@ -7161,7 +7636,7 @@
               <a:buChar char="-"/>
             </a:pPr>
             <a:r>
-              <a:rPr lang="es-ES" sz="2500">
+              <a:rPr lang="es-ES" sz="2500" dirty="0">
                 <a:latin typeface="Arial" pitchFamily="34"/>
                 <a:cs typeface="Arial" pitchFamily="34"/>
               </a:rPr>
@@ -7172,7 +7647,7 @@
             <a:pPr lvl="0">
               <a:buChar char="-"/>
             </a:pPr>
-            <a:endParaRPr lang="es-ES" sz="2500">
+            <a:endParaRPr lang="es-ES" sz="2500" dirty="0">
               <a:latin typeface="Arial" pitchFamily="34"/>
               <a:cs typeface="Arial" pitchFamily="34"/>
             </a:endParaRPr>
@@ -7181,7 +7656,7 @@
             <a:pPr lvl="0">
               <a:buChar char="-"/>
             </a:pPr>
-            <a:endParaRPr lang="es-ES" sz="2500">
+            <a:endParaRPr lang="es-ES" sz="2500" dirty="0">
               <a:latin typeface="Arial" pitchFamily="34"/>
               <a:cs typeface="Arial" pitchFamily="34"/>
             </a:endParaRPr>
@@ -7190,7 +7665,7 @@
             <a:pPr lvl="0">
               <a:buChar char="-"/>
             </a:pPr>
-            <a:endParaRPr lang="es-ES" sz="2500">
+            <a:endParaRPr lang="es-ES" sz="2500" dirty="0">
               <a:latin typeface="Arial" pitchFamily="34"/>
               <a:cs typeface="Arial" pitchFamily="34"/>
             </a:endParaRPr>
@@ -7199,7 +7674,7 @@
             <a:pPr lvl="0">
               <a:buChar char="-"/>
             </a:pPr>
-            <a:endParaRPr lang="es-ES" sz="2500">
+            <a:endParaRPr lang="es-ES" sz="2500" dirty="0">
               <a:latin typeface="Arial" pitchFamily="34"/>
               <a:cs typeface="Arial" pitchFamily="34"/>
             </a:endParaRPr>
@@ -7208,7 +7683,7 @@
             <a:pPr lvl="0">
               <a:buChar char="-"/>
             </a:pPr>
-            <a:endParaRPr lang="es-ES" sz="2500">
+            <a:endParaRPr lang="es-ES" sz="2500" dirty="0">
               <a:latin typeface="Arial" pitchFamily="34"/>
               <a:cs typeface="Arial" pitchFamily="34"/>
             </a:endParaRPr>
@@ -7217,7 +7692,7 @@
             <a:pPr lvl="0">
               <a:buChar char="-"/>
             </a:pPr>
-            <a:endParaRPr lang="es-ES">
+            <a:endParaRPr lang="es-ES" dirty="0">
               <a:latin typeface="Arial" pitchFamily="34"/>
               <a:cs typeface="Arial" pitchFamily="34"/>
             </a:endParaRPr>
@@ -8121,6 +8596,7 @@
               </a:defRPr>
             </a:pPr>
             <a:fld id="{46265D92-904E-4416-9F8A-E85A54C49918}" type="slidenum">
+              <a:rPr/>
               <a:t>7</a:t>
             </a:fld>
             <a:endParaRPr lang="en-US" sz="1600" b="0" i="0" u="none" strike="noStrike" kern="1200" cap="none" spc="0" baseline="0">
@@ -8281,6 +8757,557 @@
 </file>
 
 <file path=ppt/slides/slide8.xml><?xml version="1.0" encoding="utf-8"?>
+<p:sld xmlns:a="http://schemas.openxmlformats.org/drawingml/2006/main" xmlns:r="http://schemas.openxmlformats.org/officeDocument/2006/relationships" xmlns:p="http://schemas.openxmlformats.org/presentationml/2006/main">
+  <p:cSld>
+    <p:spTree>
+      <p:nvGrpSpPr>
+        <p:cNvPr id="1" name=""/>
+        <p:cNvGrpSpPr/>
+        <p:nvPr/>
+      </p:nvGrpSpPr>
+      <p:grpSpPr>
+        <a:xfrm>
+          <a:off x="0" y="0"/>
+          <a:ext cx="0" cy="0"/>
+          <a:chOff x="0" y="0"/>
+          <a:chExt cx="0" cy="0"/>
+        </a:xfrm>
+      </p:grpSpPr>
+      <p:sp>
+        <p:nvSpPr>
+          <p:cNvPr id="2" name="Título 1">
+            <a:extLst>
+              <a:ext uri="{FF2B5EF4-FFF2-40B4-BE49-F238E27FC236}">
+                <a16:creationId xmlns:a16="http://schemas.microsoft.com/office/drawing/2014/main" id="{FDCA9EE5-9331-B458-51DB-FCD4FEF38594}"/>
+              </a:ext>
+            </a:extLst>
+          </p:cNvPr>
+          <p:cNvSpPr txBox="1">
+            <a:spLocks noGrp="1"/>
+          </p:cNvSpPr>
+          <p:nvPr>
+            <p:ph type="title"/>
+          </p:nvPr>
+        </p:nvSpPr>
+        <p:spPr>
+          <a:xfrm>
+            <a:off x="700631" y="922099"/>
+            <a:ext cx="10691265" cy="953088"/>
+          </a:xfrm>
+        </p:spPr>
+        <p:txBody>
+          <a:bodyPr/>
+          <a:lstStyle/>
+          <a:p>
+            <a:pPr lvl="0"/>
+            <a:r>
+              <a:rPr lang="es-ES" dirty="0"/>
+              <a:t>CONCLUSIONES</a:t>
+            </a:r>
+          </a:p>
+        </p:txBody>
+      </p:sp>
+      <p:sp>
+        <p:nvSpPr>
+          <p:cNvPr id="3" name="Marcador de contenido 2">
+            <a:extLst>
+              <a:ext uri="{FF2B5EF4-FFF2-40B4-BE49-F238E27FC236}">
+                <a16:creationId xmlns:a16="http://schemas.microsoft.com/office/drawing/2014/main" id="{D7F0FDD1-9F8D-B860-8E29-E639A79CCB37}"/>
+              </a:ext>
+            </a:extLst>
+          </p:cNvPr>
+          <p:cNvSpPr txBox="1">
+            <a:spLocks noGrp="1"/>
+          </p:cNvSpPr>
+          <p:nvPr>
+            <p:ph idx="1"/>
+          </p:nvPr>
+        </p:nvSpPr>
+        <p:spPr>
+          <a:xfrm>
+            <a:off x="700630" y="1722784"/>
+            <a:ext cx="10516009" cy="4206432"/>
+          </a:xfrm>
+        </p:spPr>
+        <p:txBody>
+          <a:bodyPr/>
+          <a:lstStyle/>
+          <a:p>
+            <a:pPr marL="0" lvl="0" indent="0">
+              <a:buNone/>
+            </a:pPr>
+            <a:r>
+              <a:rPr lang="es-ES" sz="2500" b="1" i="1" dirty="0">
+                <a:latin typeface="Arial" pitchFamily="34"/>
+                <a:cs typeface="Arial" pitchFamily="34"/>
+              </a:rPr>
+              <a:t>Dificultades</a:t>
+            </a:r>
+          </a:p>
+          <a:p>
+            <a:pPr lvl="1">
+              <a:buFontTx/>
+              <a:buChar char="-"/>
+            </a:pPr>
+            <a:r>
+              <a:rPr lang="es-ES" sz="2300" dirty="0">
+                <a:latin typeface="Arial" pitchFamily="34"/>
+                <a:cs typeface="Arial" pitchFamily="34"/>
+              </a:rPr>
+              <a:t>Hardware de detección de presencia </a:t>
+            </a:r>
+            <a:r>
+              <a:rPr lang="es-ES" sz="2300" b="1" dirty="0">
+                <a:latin typeface="Arial" pitchFamily="34"/>
+                <a:cs typeface="Arial" pitchFamily="34"/>
+              </a:rPr>
+              <a:t>-&gt;</a:t>
+            </a:r>
+            <a:r>
+              <a:rPr lang="es-ES" sz="2300" dirty="0">
+                <a:latin typeface="Arial" pitchFamily="34"/>
+                <a:cs typeface="Arial" pitchFamily="34"/>
+              </a:rPr>
+              <a:t> </a:t>
+            </a:r>
+            <a:r>
+              <a:rPr lang="es-ES" sz="2300" b="1" dirty="0">
+                <a:latin typeface="Arial" pitchFamily="34"/>
+                <a:cs typeface="Arial" pitchFamily="34"/>
+              </a:rPr>
+              <a:t>Simulador</a:t>
+            </a:r>
+          </a:p>
+          <a:p>
+            <a:pPr lvl="1">
+              <a:buFontTx/>
+              <a:buChar char="-"/>
+            </a:pPr>
+            <a:r>
+              <a:rPr lang="es-ES" sz="2300" dirty="0">
+                <a:latin typeface="Arial" pitchFamily="34"/>
+                <a:cs typeface="Arial" pitchFamily="34"/>
+              </a:rPr>
+              <a:t>Comunicación del simulador con </a:t>
+            </a:r>
+            <a:r>
+              <a:rPr lang="es-ES" sz="2300" dirty="0" err="1">
+                <a:latin typeface="Arial" pitchFamily="34"/>
+                <a:cs typeface="Arial" pitchFamily="34"/>
+              </a:rPr>
+              <a:t>backend</a:t>
+            </a:r>
+            <a:r>
+              <a:rPr lang="es-ES" sz="2300" dirty="0">
+                <a:latin typeface="Arial" pitchFamily="34"/>
+                <a:cs typeface="Arial" pitchFamily="34"/>
+              </a:rPr>
+              <a:t> </a:t>
+            </a:r>
+            <a:r>
+              <a:rPr lang="es-ES" sz="2300" b="1" dirty="0">
+                <a:latin typeface="Arial" pitchFamily="34"/>
+                <a:cs typeface="Arial" pitchFamily="34"/>
+              </a:rPr>
+              <a:t>-&gt;</a:t>
+            </a:r>
+            <a:r>
+              <a:rPr lang="es-ES" sz="2300" dirty="0">
+                <a:latin typeface="Arial" pitchFamily="34"/>
+                <a:cs typeface="Arial" pitchFamily="34"/>
+              </a:rPr>
+              <a:t> </a:t>
+            </a:r>
+            <a:r>
+              <a:rPr lang="es-ES" sz="2300" b="1" dirty="0">
+                <a:latin typeface="Arial" pitchFamily="34"/>
+                <a:cs typeface="Arial" pitchFamily="34"/>
+              </a:rPr>
+              <a:t>HTTP - Post o </a:t>
+            </a:r>
+            <a:r>
+              <a:rPr lang="es-ES" sz="2300" b="1" dirty="0" err="1">
+                <a:latin typeface="Arial" pitchFamily="34"/>
+                <a:cs typeface="Arial" pitchFamily="34"/>
+              </a:rPr>
+              <a:t>Put</a:t>
+            </a:r>
+            <a:endParaRPr lang="es-ES" sz="2300" b="1" dirty="0">
+              <a:latin typeface="Arial" pitchFamily="34"/>
+              <a:cs typeface="Arial" pitchFamily="34"/>
+            </a:endParaRPr>
+          </a:p>
+          <a:p>
+            <a:pPr lvl="1">
+              <a:buFontTx/>
+              <a:buChar char="-"/>
+            </a:pPr>
+            <a:r>
+              <a:rPr lang="es-ES" sz="2500" dirty="0">
+                <a:latin typeface="Arial" pitchFamily="34"/>
+                <a:cs typeface="Arial" pitchFamily="34"/>
+              </a:rPr>
+              <a:t>Despliegue y </a:t>
+            </a:r>
+            <a:r>
+              <a:rPr lang="es-ES" sz="2500" dirty="0" err="1">
+                <a:latin typeface="Arial" pitchFamily="34"/>
+                <a:cs typeface="Arial" pitchFamily="34"/>
+              </a:rPr>
+              <a:t>testing</a:t>
+            </a:r>
+            <a:r>
+              <a:rPr lang="es-ES" sz="2500" dirty="0">
+                <a:latin typeface="Arial" pitchFamily="34"/>
+                <a:cs typeface="Arial" pitchFamily="34"/>
+              </a:rPr>
+              <a:t> de la API </a:t>
+            </a:r>
+            <a:r>
+              <a:rPr lang="es-ES" sz="2500" b="1" dirty="0">
+                <a:latin typeface="Arial" pitchFamily="34"/>
+                <a:cs typeface="Arial" pitchFamily="34"/>
+              </a:rPr>
+              <a:t>-&gt;</a:t>
+            </a:r>
+            <a:r>
+              <a:rPr lang="es-ES" sz="2500" dirty="0">
+                <a:latin typeface="Arial" pitchFamily="34"/>
+                <a:cs typeface="Arial" pitchFamily="34"/>
+              </a:rPr>
+              <a:t> </a:t>
+            </a:r>
+            <a:r>
+              <a:rPr lang="es-ES" sz="2500" b="1" dirty="0" err="1">
+                <a:latin typeface="Arial" pitchFamily="34"/>
+                <a:cs typeface="Arial" pitchFamily="34"/>
+              </a:rPr>
+              <a:t>Ngrok</a:t>
+            </a:r>
+            <a:r>
+              <a:rPr lang="es-ES" sz="2500" b="1" dirty="0">
+                <a:latin typeface="Arial" pitchFamily="34"/>
+                <a:cs typeface="Arial" pitchFamily="34"/>
+              </a:rPr>
+              <a:t> &amp; Postman</a:t>
+            </a:r>
+          </a:p>
+          <a:p>
+            <a:pPr marL="0" lvl="0" indent="0">
+              <a:buNone/>
+            </a:pPr>
+            <a:r>
+              <a:rPr lang="es-ES" sz="2500" b="1" i="1" dirty="0">
+                <a:latin typeface="Arial" pitchFamily="34"/>
+                <a:cs typeface="Arial" pitchFamily="34"/>
+              </a:rPr>
+              <a:t>Mejoras</a:t>
+            </a:r>
+          </a:p>
+          <a:p>
+            <a:pPr lvl="1">
+              <a:buFontTx/>
+              <a:buChar char="-"/>
+            </a:pPr>
+            <a:r>
+              <a:rPr lang="es-ES" sz="2300" dirty="0">
+                <a:latin typeface="Arial" pitchFamily="34"/>
+                <a:cs typeface="Arial" pitchFamily="34"/>
+              </a:rPr>
+              <a:t>Sustitución por hardware real detectores de presencia</a:t>
+            </a:r>
+          </a:p>
+          <a:p>
+            <a:pPr lvl="1">
+              <a:buFontTx/>
+              <a:buChar char="-"/>
+            </a:pPr>
+            <a:r>
+              <a:rPr lang="es-ES" sz="2300" dirty="0" err="1">
+                <a:latin typeface="Arial" pitchFamily="34"/>
+                <a:cs typeface="Arial" pitchFamily="34"/>
+              </a:rPr>
+              <a:t>Backend</a:t>
+            </a:r>
+            <a:r>
+              <a:rPr lang="es-ES" sz="2300" dirty="0">
+                <a:latin typeface="Arial" pitchFamily="34"/>
+                <a:cs typeface="Arial" pitchFamily="34"/>
+              </a:rPr>
+              <a:t> con mayor tolerancia a fallos </a:t>
+            </a:r>
+            <a:r>
+              <a:rPr lang="es-ES" sz="2300" b="1" dirty="0">
+                <a:latin typeface="Arial" pitchFamily="34"/>
+                <a:cs typeface="Arial" pitchFamily="34"/>
+              </a:rPr>
+              <a:t>-&gt;</a:t>
+            </a:r>
+            <a:r>
+              <a:rPr lang="es-ES" sz="2300" dirty="0">
+                <a:latin typeface="Arial" pitchFamily="34"/>
+                <a:cs typeface="Arial" pitchFamily="34"/>
+              </a:rPr>
+              <a:t> </a:t>
+            </a:r>
+            <a:r>
+              <a:rPr lang="es-ES" sz="2300" b="1" dirty="0">
+                <a:latin typeface="Arial" pitchFamily="34"/>
+                <a:cs typeface="Arial" pitchFamily="34"/>
+              </a:rPr>
+              <a:t>Microservicios</a:t>
+            </a:r>
+            <a:r>
+              <a:rPr lang="es-ES" sz="2300" dirty="0">
+                <a:latin typeface="Arial" pitchFamily="34"/>
+                <a:cs typeface="Arial" pitchFamily="34"/>
+              </a:rPr>
+              <a:t> </a:t>
+            </a:r>
+          </a:p>
+          <a:p>
+            <a:pPr lvl="1">
+              <a:buFontTx/>
+              <a:buChar char="-"/>
+            </a:pPr>
+            <a:r>
+              <a:rPr lang="es-ES" sz="2300" dirty="0">
+                <a:latin typeface="Arial" pitchFamily="34"/>
+                <a:cs typeface="Arial" pitchFamily="34"/>
+              </a:rPr>
+              <a:t>Mejora de la IA del Bot </a:t>
+            </a:r>
+            <a:r>
+              <a:rPr lang="es-ES" sz="2300" b="1" dirty="0">
+                <a:latin typeface="Arial" pitchFamily="34"/>
+                <a:cs typeface="Arial" pitchFamily="34"/>
+              </a:rPr>
+              <a:t>-&gt; Entrenamiento de modelos</a:t>
+            </a:r>
+          </a:p>
+          <a:p>
+            <a:pPr lvl="1">
+              <a:buFontTx/>
+              <a:buChar char="-"/>
+            </a:pPr>
+            <a:endParaRPr lang="es-ES" sz="2300" dirty="0">
+              <a:latin typeface="Arial" pitchFamily="34"/>
+              <a:cs typeface="Arial" pitchFamily="34"/>
+            </a:endParaRPr>
+          </a:p>
+          <a:p>
+            <a:pPr marL="0" lvl="0" indent="0">
+              <a:buNone/>
+            </a:pPr>
+            <a:endParaRPr lang="es-ES" sz="2500" b="1" i="1" dirty="0">
+              <a:latin typeface="Arial" pitchFamily="34"/>
+              <a:cs typeface="Arial" pitchFamily="34"/>
+            </a:endParaRPr>
+          </a:p>
+          <a:p>
+            <a:pPr lvl="0">
+              <a:buChar char="-"/>
+            </a:pPr>
+            <a:endParaRPr lang="es-ES" sz="2500" dirty="0">
+              <a:latin typeface="Arial" pitchFamily="34"/>
+              <a:cs typeface="Arial" pitchFamily="34"/>
+            </a:endParaRPr>
+          </a:p>
+          <a:p>
+            <a:pPr lvl="0">
+              <a:buChar char="-"/>
+            </a:pPr>
+            <a:endParaRPr lang="es-ES" dirty="0">
+              <a:latin typeface="Arial" pitchFamily="34"/>
+              <a:cs typeface="Arial" pitchFamily="34"/>
+            </a:endParaRPr>
+          </a:p>
+        </p:txBody>
+      </p:sp>
+      <p:pic>
+        <p:nvPicPr>
+          <p:cNvPr id="4" name="Imagen 3">
+            <a:extLst>
+              <a:ext uri="{FF2B5EF4-FFF2-40B4-BE49-F238E27FC236}">
+                <a16:creationId xmlns:a16="http://schemas.microsoft.com/office/drawing/2014/main" id="{3443D2C1-F322-5065-CD88-947397A7772C}"/>
+              </a:ext>
+            </a:extLst>
+          </p:cNvPr>
+          <p:cNvPicPr>
+            <a:picLocks noChangeAspect="1"/>
+          </p:cNvPicPr>
+          <p:nvPr/>
+        </p:nvPicPr>
+        <p:blipFill>
+          <a:blip r:embed="rId3"/>
+          <a:srcRect/>
+          <a:stretch>
+            <a:fillRect/>
+          </a:stretch>
+        </p:blipFill>
+        <p:spPr>
+          <a:xfrm>
+            <a:off x="10139562" y="5470644"/>
+            <a:ext cx="1018541" cy="1079504"/>
+          </a:xfrm>
+          <a:prstGeom prst="rect">
+            <a:avLst/>
+          </a:prstGeom>
+          <a:noFill/>
+          <a:ln cap="flat">
+            <a:noFill/>
+          </a:ln>
+        </p:spPr>
+      </p:pic>
+      <p:sp>
+        <p:nvSpPr>
+          <p:cNvPr id="5" name="Marcador de número de diapositiva 4">
+            <a:extLst>
+              <a:ext uri="{FF2B5EF4-FFF2-40B4-BE49-F238E27FC236}">
+                <a16:creationId xmlns:a16="http://schemas.microsoft.com/office/drawing/2014/main" id="{66B79A2F-1839-4F69-A969-5E909C9C3880}"/>
+              </a:ext>
+            </a:extLst>
+          </p:cNvPr>
+          <p:cNvSpPr txBox="1"/>
+          <p:nvPr/>
+        </p:nvSpPr>
+        <p:spPr>
+          <a:xfrm>
+            <a:off x="10919014" y="6356351"/>
+            <a:ext cx="672358" cy="365129"/>
+          </a:xfrm>
+          <a:prstGeom prst="rect">
+            <a:avLst/>
+          </a:prstGeom>
+          <a:noFill/>
+          <a:ln cap="flat">
+            <a:noFill/>
+          </a:ln>
+        </p:spPr>
+        <p:txBody>
+          <a:bodyPr vert="horz" wrap="square" lIns="91440" tIns="45720" rIns="91440" bIns="45720" anchor="ctr" anchorCtr="0" compatLnSpc="1">
+            <a:noAutofit/>
+          </a:bodyPr>
+          <a:lstStyle/>
+          <a:p>
+            <a:pPr marL="0" marR="0" lvl="0" indent="0" algn="r" defTabSz="914400" rtl="0" fontAlgn="auto" hangingPunct="1">
+              <a:lnSpc>
+                <a:spcPct val="100000"/>
+              </a:lnSpc>
+              <a:spcBef>
+                <a:spcPts val="0"/>
+              </a:spcBef>
+              <a:spcAft>
+                <a:spcPts val="0"/>
+              </a:spcAft>
+              <a:buNone/>
+              <a:tabLst/>
+              <a:defRPr sz="1800" b="0" i="0" u="none" strike="noStrike" kern="0" cap="none" spc="0" baseline="0">
+                <a:solidFill>
+                  <a:srgbClr val="000000"/>
+                </a:solidFill>
+                <a:uFillTx/>
+              </a:defRPr>
+            </a:pPr>
+            <a:fld id="{46265D92-904E-4416-9F8A-E85A54C49918}" type="slidenum">
+              <a:rPr/>
+              <a:t>8</a:t>
+            </a:fld>
+            <a:endParaRPr lang="en-US" sz="1600" b="0" i="0" u="none" strike="noStrike" kern="1200" cap="none" spc="0" baseline="0">
+              <a:solidFill>
+                <a:srgbClr val="000000"/>
+              </a:solidFill>
+              <a:uFillTx/>
+              <a:latin typeface="Arial" pitchFamily="34"/>
+              <a:cs typeface="Arial" pitchFamily="34"/>
+            </a:endParaRPr>
+          </a:p>
+        </p:txBody>
+      </p:sp>
+      <p:sp>
+        <p:nvSpPr>
+          <p:cNvPr id="6" name="Marcador de pie de página 5">
+            <a:extLst>
+              <a:ext uri="{FF2B5EF4-FFF2-40B4-BE49-F238E27FC236}">
+                <a16:creationId xmlns:a16="http://schemas.microsoft.com/office/drawing/2014/main" id="{E96089AD-D1C1-DEA8-9CC7-3271A3465991}"/>
+              </a:ext>
+            </a:extLst>
+          </p:cNvPr>
+          <p:cNvSpPr txBox="1"/>
+          <p:nvPr/>
+        </p:nvSpPr>
+        <p:spPr>
+          <a:xfrm>
+            <a:off x="715380" y="6356351"/>
+            <a:ext cx="4539730" cy="365129"/>
+          </a:xfrm>
+          <a:prstGeom prst="rect">
+            <a:avLst/>
+          </a:prstGeom>
+          <a:noFill/>
+          <a:ln cap="flat">
+            <a:noFill/>
+          </a:ln>
+        </p:spPr>
+        <p:txBody>
+          <a:bodyPr vert="horz" wrap="square" lIns="91440" tIns="45720" rIns="91440" bIns="45720" anchor="ctr" anchorCtr="0" compatLnSpc="1">
+            <a:noAutofit/>
+          </a:bodyPr>
+          <a:lstStyle/>
+          <a:p>
+            <a:pPr marL="0" marR="0" lvl="0" indent="0" algn="l" defTabSz="914400" rtl="0" fontAlgn="auto" hangingPunct="1">
+              <a:lnSpc>
+                <a:spcPct val="100000"/>
+              </a:lnSpc>
+              <a:spcBef>
+                <a:spcPts val="0"/>
+              </a:spcBef>
+              <a:spcAft>
+                <a:spcPts val="0"/>
+              </a:spcAft>
+              <a:buNone/>
+              <a:tabLst/>
+              <a:defRPr sz="1800" b="0" i="0" u="none" strike="noStrike" kern="0" cap="none" spc="0" baseline="0">
+                <a:solidFill>
+                  <a:srgbClr val="000000"/>
+                </a:solidFill>
+                <a:uFillTx/>
+              </a:defRPr>
+            </a:pPr>
+            <a:r>
+              <a:rPr lang="es-ES" sz="1050" b="0" i="0" u="none" strike="noStrike" kern="1200" cap="none" spc="0" baseline="0">
+                <a:solidFill>
+                  <a:srgbClr val="000000"/>
+                </a:solidFill>
+                <a:uFillTx/>
+                <a:latin typeface="Univers Condensed"/>
+              </a:rPr>
+              <a:t>TELEGRAM BOT - Gestión de aforo</a:t>
+            </a:r>
+            <a:endParaRPr lang="en-US" sz="1050" b="0" i="0" u="none" strike="noStrike" kern="1200" cap="none" spc="0" baseline="0">
+              <a:solidFill>
+                <a:srgbClr val="000000"/>
+              </a:solidFill>
+              <a:uFillTx/>
+              <a:latin typeface="Univers Condensed"/>
+            </a:endParaRPr>
+          </a:p>
+        </p:txBody>
+      </p:sp>
+    </p:spTree>
+    <p:extLst>
+      <p:ext uri="{BB962C8B-B14F-4D97-AF65-F5344CB8AC3E}">
+        <p14:creationId xmlns:p14="http://schemas.microsoft.com/office/powerpoint/2010/main" val="2661811063"/>
+      </p:ext>
+    </p:extLst>
+  </p:cSld>
+  <p:clrMapOvr>
+    <a:masterClrMapping/>
+  </p:clrMapOvr>
+</p:sld>
+</file>
+
+<file path=ppt/slides/slide9.xml><?xml version="1.0" encoding="utf-8"?>
 <p:sld xmlns:a="http://schemas.openxmlformats.org/drawingml/2006/main" xmlns:r="http://schemas.openxmlformats.org/officeDocument/2006/relationships" xmlns:p="http://schemas.openxmlformats.org/presentationml/2006/main">
   <p:cSld name="Slide10">
     <p:spTree>
@@ -8383,7 +9410,8 @@
               </a:defRPr>
             </a:pPr>
             <a:fld id="{1EE35BDB-F928-4C8A-8054-AEF1007A9F48}" type="slidenum">
-              <a:t>8</a:t>
+              <a:rPr/>
+              <a:t>9</a:t>
             </a:fld>
             <a:endParaRPr lang="en-US" sz="1600" b="0" i="0" u="none" strike="noStrike" kern="1200" cap="none" spc="0" baseline="0">
               <a:solidFill>
@@ -8522,7 +9550,7 @@
         </p:blipFill>
         <p:spPr>
           <a:xfrm>
-            <a:off x="9222821" y="4493946"/>
+            <a:off x="9311491" y="2050003"/>
             <a:ext cx="1287502" cy="1287502"/>
           </a:xfrm>
           <a:prstGeom prst="rect">
@@ -8565,236 +9593,6 @@
             <a:avLst/>
           </a:prstGeom>
           <a:noFill/>
-          <a:ln cap="flat">
-            <a:noFill/>
-          </a:ln>
-        </p:spPr>
-      </p:pic>
-    </p:spTree>
-  </p:cSld>
-  <p:clrMapOvr>
-    <a:masterClrMapping/>
-  </p:clrMapOvr>
-</p:sld>
-</file>
-
-<file path=ppt/slides/slide9.xml><?xml version="1.0" encoding="utf-8"?>
-<p:sld xmlns:a="http://schemas.openxmlformats.org/drawingml/2006/main" xmlns:r="http://schemas.openxmlformats.org/officeDocument/2006/relationships" xmlns:p="http://schemas.openxmlformats.org/presentationml/2006/main">
-  <p:cSld name="Slide9">
-    <p:spTree>
-      <p:nvGrpSpPr>
-        <p:cNvPr id="1" name=""/>
-        <p:cNvGrpSpPr/>
-        <p:nvPr/>
-      </p:nvGrpSpPr>
-      <p:grpSpPr>
-        <a:xfrm>
-          <a:off x="0" y="0"/>
-          <a:ext cx="0" cy="0"/>
-          <a:chOff x="0" y="0"/>
-          <a:chExt cx="0" cy="0"/>
-        </a:xfrm>
-      </p:grpSpPr>
-      <p:pic>
-        <p:nvPicPr>
-          <p:cNvPr id="2" name="Imagen 3">
-            <a:extLst>
-              <a:ext uri="{FF2B5EF4-FFF2-40B4-BE49-F238E27FC236}">
-                <a16:creationId xmlns:a16="http://schemas.microsoft.com/office/drawing/2014/main" id="{BC31DB3B-7FBD-BDA1-CB86-12C0512A2A3E}"/>
-              </a:ext>
-            </a:extLst>
-          </p:cNvPr>
-          <p:cNvPicPr>
-            <a:picLocks noChangeAspect="1"/>
-          </p:cNvPicPr>
-          <p:nvPr/>
-        </p:nvPicPr>
-        <p:blipFill>
-          <a:blip r:embed="rId3"/>
-          <a:srcRect/>
-          <a:stretch>
-            <a:fillRect/>
-          </a:stretch>
-        </p:blipFill>
-        <p:spPr>
-          <a:xfrm>
-            <a:off x="10139562" y="5470644"/>
-            <a:ext cx="1018541" cy="1079504"/>
-          </a:xfrm>
-          <a:prstGeom prst="rect">
-            <a:avLst/>
-          </a:prstGeom>
-          <a:noFill/>
-          <a:ln cap="flat">
-            <a:noFill/>
-          </a:ln>
-        </p:spPr>
-      </p:pic>
-      <p:sp>
-        <p:nvSpPr>
-          <p:cNvPr id="3" name="Marcador de número de diapositiva 4">
-            <a:extLst>
-              <a:ext uri="{FF2B5EF4-FFF2-40B4-BE49-F238E27FC236}">
-                <a16:creationId xmlns:a16="http://schemas.microsoft.com/office/drawing/2014/main" id="{E44ED557-2E54-BD1E-8E82-1B95A9805303}"/>
-              </a:ext>
-            </a:extLst>
-          </p:cNvPr>
-          <p:cNvSpPr txBox="1"/>
-          <p:nvPr/>
-        </p:nvSpPr>
-        <p:spPr>
-          <a:xfrm>
-            <a:off x="10919014" y="6356351"/>
-            <a:ext cx="672358" cy="365129"/>
-          </a:xfrm>
-          <a:prstGeom prst="rect">
-            <a:avLst/>
-          </a:prstGeom>
-          <a:noFill/>
-          <a:ln cap="flat">
-            <a:noFill/>
-          </a:ln>
-        </p:spPr>
-        <p:txBody>
-          <a:bodyPr vert="horz" wrap="square" lIns="91440" tIns="45720" rIns="91440" bIns="45720" anchor="ctr" anchorCtr="0" compatLnSpc="1">
-            <a:noAutofit/>
-          </a:bodyPr>
-          <a:lstStyle/>
-          <a:p>
-            <a:pPr marL="0" marR="0" lvl="0" indent="0" algn="r" defTabSz="914400" rtl="0" fontAlgn="auto" hangingPunct="1">
-              <a:lnSpc>
-                <a:spcPct val="100000"/>
-              </a:lnSpc>
-              <a:spcBef>
-                <a:spcPts val="0"/>
-              </a:spcBef>
-              <a:spcAft>
-                <a:spcPts val="0"/>
-              </a:spcAft>
-              <a:buNone/>
-              <a:tabLst/>
-              <a:defRPr sz="1800" b="0" i="0" u="none" strike="noStrike" kern="0" cap="none" spc="0" baseline="0">
-                <a:solidFill>
-                  <a:srgbClr val="000000"/>
-                </a:solidFill>
-                <a:uFillTx/>
-              </a:defRPr>
-            </a:pPr>
-            <a:fld id="{8CEABA8C-C8FC-44DC-BE5B-1DAD58560ED7}" type="slidenum">
-              <a:t>9</a:t>
-            </a:fld>
-            <a:endParaRPr lang="en-US" sz="1600" b="0" i="0" u="none" strike="noStrike" kern="1200" cap="none" spc="0" baseline="0">
-              <a:solidFill>
-                <a:srgbClr val="000000"/>
-              </a:solidFill>
-              <a:uFillTx/>
-              <a:latin typeface="Arial" pitchFamily="34"/>
-              <a:cs typeface="Arial" pitchFamily="34"/>
-            </a:endParaRPr>
-          </a:p>
-        </p:txBody>
-      </p:sp>
-      <p:sp>
-        <p:nvSpPr>
-          <p:cNvPr id="4" name="Marcador de pie de página 5">
-            <a:extLst>
-              <a:ext uri="{FF2B5EF4-FFF2-40B4-BE49-F238E27FC236}">
-                <a16:creationId xmlns:a16="http://schemas.microsoft.com/office/drawing/2014/main" id="{B04CCAF1-C3A4-3E1F-CD42-7F36CCC4F907}"/>
-              </a:ext>
-            </a:extLst>
-          </p:cNvPr>
-          <p:cNvSpPr txBox="1"/>
-          <p:nvPr/>
-        </p:nvSpPr>
-        <p:spPr>
-          <a:xfrm>
-            <a:off x="715380" y="6356351"/>
-            <a:ext cx="4539730" cy="365129"/>
-          </a:xfrm>
-          <a:prstGeom prst="rect">
-            <a:avLst/>
-          </a:prstGeom>
-          <a:noFill/>
-          <a:ln cap="flat">
-            <a:noFill/>
-          </a:ln>
-        </p:spPr>
-        <p:txBody>
-          <a:bodyPr vert="horz" wrap="square" lIns="91440" tIns="45720" rIns="91440" bIns="45720" anchor="ctr" anchorCtr="0" compatLnSpc="1">
-            <a:noAutofit/>
-          </a:bodyPr>
-          <a:lstStyle/>
-          <a:p>
-            <a:pPr marL="0" marR="0" lvl="0" indent="0" algn="l" defTabSz="914400" rtl="0" fontAlgn="auto" hangingPunct="1">
-              <a:lnSpc>
-                <a:spcPct val="100000"/>
-              </a:lnSpc>
-              <a:spcBef>
-                <a:spcPts val="0"/>
-              </a:spcBef>
-              <a:spcAft>
-                <a:spcPts val="0"/>
-              </a:spcAft>
-              <a:buNone/>
-              <a:tabLst/>
-              <a:defRPr sz="1800" b="0" i="0" u="none" strike="noStrike" kern="0" cap="none" spc="0" baseline="0">
-                <a:solidFill>
-                  <a:srgbClr val="000000"/>
-                </a:solidFill>
-                <a:uFillTx/>
-              </a:defRPr>
-            </a:pPr>
-            <a:r>
-              <a:rPr lang="es-ES" sz="1050" b="0" i="0" u="none" strike="noStrike" kern="1200" cap="none" spc="0" baseline="0">
-                <a:solidFill>
-                  <a:srgbClr val="000000"/>
-                </a:solidFill>
-                <a:uFillTx/>
-                <a:latin typeface="Univers Condensed"/>
-              </a:rPr>
-              <a:t>TELEGRAM BOT - Gestión de aforo</a:t>
-            </a:r>
-            <a:endParaRPr lang="en-US" sz="1050" b="0" i="0" u="none" strike="noStrike" kern="1200" cap="none" spc="0" baseline="0">
-              <a:solidFill>
-                <a:srgbClr val="000000"/>
-              </a:solidFill>
-              <a:uFillTx/>
-              <a:latin typeface="Univers Condensed"/>
-            </a:endParaRPr>
-          </a:p>
-        </p:txBody>
-      </p:sp>
-      <p:pic>
-        <p:nvPicPr>
-          <p:cNvPr id="5" name="Imagen 9">
-            <a:extLst>
-              <a:ext uri="{FF2B5EF4-FFF2-40B4-BE49-F238E27FC236}">
-                <a16:creationId xmlns:a16="http://schemas.microsoft.com/office/drawing/2014/main" id="{0C70BCB0-9D9C-26E6-7F62-918626791A28}"/>
-              </a:ext>
-            </a:extLst>
-          </p:cNvPr>
-          <p:cNvPicPr>
-            <a:picLocks noChangeAspect="1"/>
-          </p:cNvPicPr>
-          <p:nvPr/>
-        </p:nvPicPr>
-        <p:blipFill>
-          <a:blip r:embed="rId4"/>
-          <a:stretch>
-            <a:fillRect/>
-          </a:stretch>
-        </p:blipFill>
-        <p:spPr>
-          <a:xfrm>
-            <a:off x="4127089" y="1812020"/>
-            <a:ext cx="3937817" cy="3233949"/>
-          </a:xfrm>
-          <a:prstGeom prst="rect">
-            <a:avLst/>
-          </a:prstGeom>
-          <a:solidFill>
-            <a:srgbClr val="EDEDED"/>
-          </a:solidFill>
           <a:ln cap="flat">
             <a:noFill/>
           </a:ln>
